--- a/PEP/Diagrams.pptx
+++ b/PEP/Diagrams.pptx
@@ -245,7 +245,7 @@
           <a:p>
             <a:fld id="{30D598B9-166E-4F56-ABF9-145B4714743A}" type="datetimeFigureOut">
               <a:rPr lang="en-US" smtClean="0"/>
-              <a:t>12/7/2016</a:t>
+              <a:t>1/18/2017</a:t>
             </a:fld>
             <a:endParaRPr lang="en-US"/>
           </a:p>
@@ -415,7 +415,7 @@
           <a:p>
             <a:fld id="{30D598B9-166E-4F56-ABF9-145B4714743A}" type="datetimeFigureOut">
               <a:rPr lang="en-US" smtClean="0"/>
-              <a:t>12/7/2016</a:t>
+              <a:t>1/18/2017</a:t>
             </a:fld>
             <a:endParaRPr lang="en-US"/>
           </a:p>
@@ -595,7 +595,7 @@
           <a:p>
             <a:fld id="{30D598B9-166E-4F56-ABF9-145B4714743A}" type="datetimeFigureOut">
               <a:rPr lang="en-US" smtClean="0"/>
-              <a:t>12/7/2016</a:t>
+              <a:t>1/18/2017</a:t>
             </a:fld>
             <a:endParaRPr lang="en-US"/>
           </a:p>
@@ -765,7 +765,7 @@
           <a:p>
             <a:fld id="{30D598B9-166E-4F56-ABF9-145B4714743A}" type="datetimeFigureOut">
               <a:rPr lang="en-US" smtClean="0"/>
-              <a:t>12/7/2016</a:t>
+              <a:t>1/18/2017</a:t>
             </a:fld>
             <a:endParaRPr lang="en-US"/>
           </a:p>
@@ -1009,7 +1009,7 @@
           <a:p>
             <a:fld id="{30D598B9-166E-4F56-ABF9-145B4714743A}" type="datetimeFigureOut">
               <a:rPr lang="en-US" smtClean="0"/>
-              <a:t>12/7/2016</a:t>
+              <a:t>1/18/2017</a:t>
             </a:fld>
             <a:endParaRPr lang="en-US"/>
           </a:p>
@@ -1241,7 +1241,7 @@
           <a:p>
             <a:fld id="{30D598B9-166E-4F56-ABF9-145B4714743A}" type="datetimeFigureOut">
               <a:rPr lang="en-US" smtClean="0"/>
-              <a:t>12/7/2016</a:t>
+              <a:t>1/18/2017</a:t>
             </a:fld>
             <a:endParaRPr lang="en-US"/>
           </a:p>
@@ -1608,7 +1608,7 @@
           <a:p>
             <a:fld id="{30D598B9-166E-4F56-ABF9-145B4714743A}" type="datetimeFigureOut">
               <a:rPr lang="en-US" smtClean="0"/>
-              <a:t>12/7/2016</a:t>
+              <a:t>1/18/2017</a:t>
             </a:fld>
             <a:endParaRPr lang="en-US"/>
           </a:p>
@@ -1726,7 +1726,7 @@
           <a:p>
             <a:fld id="{30D598B9-166E-4F56-ABF9-145B4714743A}" type="datetimeFigureOut">
               <a:rPr lang="en-US" smtClean="0"/>
-              <a:t>12/7/2016</a:t>
+              <a:t>1/18/2017</a:t>
             </a:fld>
             <a:endParaRPr lang="en-US"/>
           </a:p>
@@ -1821,7 +1821,7 @@
           <a:p>
             <a:fld id="{30D598B9-166E-4F56-ABF9-145B4714743A}" type="datetimeFigureOut">
               <a:rPr lang="en-US" smtClean="0"/>
-              <a:t>12/7/2016</a:t>
+              <a:t>1/18/2017</a:t>
             </a:fld>
             <a:endParaRPr lang="en-US"/>
           </a:p>
@@ -2098,7 +2098,7 @@
           <a:p>
             <a:fld id="{30D598B9-166E-4F56-ABF9-145B4714743A}" type="datetimeFigureOut">
               <a:rPr lang="en-US" smtClean="0"/>
-              <a:t>12/7/2016</a:t>
+              <a:t>1/18/2017</a:t>
             </a:fld>
             <a:endParaRPr lang="en-US"/>
           </a:p>
@@ -2355,7 +2355,7 @@
           <a:p>
             <a:fld id="{30D598B9-166E-4F56-ABF9-145B4714743A}" type="datetimeFigureOut">
               <a:rPr lang="en-US" smtClean="0"/>
-              <a:t>12/7/2016</a:t>
+              <a:t>1/18/2017</a:t>
             </a:fld>
             <a:endParaRPr lang="en-US"/>
           </a:p>
@@ -2568,7 +2568,7 @@
           <a:p>
             <a:fld id="{30D598B9-166E-4F56-ABF9-145B4714743A}" type="datetimeFigureOut">
               <a:rPr lang="en-US" smtClean="0"/>
-              <a:t>12/7/2016</a:t>
+              <a:t>1/18/2017</a:t>
             </a:fld>
             <a:endParaRPr lang="en-US"/>
           </a:p>
@@ -4279,7 +4279,7 @@
         </p:nvSpPr>
         <p:spPr>
           <a:xfrm>
-            <a:off x="1998407" y="7496746"/>
+            <a:off x="2890334" y="6133575"/>
             <a:ext cx="2298314" cy="406307"/>
           </a:xfrm>
           <a:prstGeom prst="roundRect">
@@ -5207,9 +5207,9 @@
           <p:nvPr/>
         </p:nvCxnSpPr>
         <p:spPr>
-          <a:xfrm rot="16200000" flipH="1">
-            <a:off x="3004742" y="8045875"/>
-            <a:ext cx="290549" cy="4904"/>
+          <a:xfrm rot="5400000">
+            <a:off x="2769120" y="6923231"/>
+            <a:ext cx="1653720" cy="887023"/>
           </a:xfrm>
           <a:prstGeom prst="bentConnector3">
             <a:avLst>
